--- a/result/Daily LOKT Premium Septembre 2022- FR001400AV80result.pptx
+++ b/result/Daily LOKT Premium Septembre 2022- FR001400AV80result.pptx
@@ -7008,9 +7008,6 @@
                     <a:bodyPr/>
                     <a:lstStyle/>
                     <a:p>
-                      <a:pPr>
-                        <a:defRPr sz="700"/>
-                      </a:pPr>
                       <a:r>
                         <a:t>EMTN (Euro Medium Term Note), Titre de créance de droit français présentant un risque de perte en capital en cours de vie et à l’échéance. Bien que la formule de remboursement et le paiement des sommes dues par l’Émetteur au titre du produit soient garanties par BNP Paribas SA(1), le produit présente un risque de perte en capital à hauteur de l’intégralité de la baisse enregistrée par l'indice.</a:t>
                       </a:r>
@@ -7171,9 +7168,6 @@
                     <a:bodyPr/>
                     <a:lstStyle/>
                     <a:p>
-                      <a:pPr>
-                        <a:defRPr sz="700"/>
-                      </a:pPr>
                       <a:r>
                         <a:t>BNP Paribas Issuance B.V.(1) (véhicule d’émission dédié de droit néerlandais)</a:t>
                       </a:r>
@@ -7334,9 +7328,6 @@
                     <a:bodyPr/>
                     <a:lstStyle/>
                     <a:p>
-                      <a:pPr>
-                        <a:defRPr sz="700"/>
-                      </a:pPr>
                       <a:r>
                         <a:t>BNP Paribas SA(1)</a:t>
                       </a:r>
@@ -13438,9 +13429,6 @@
                     <a:bodyPr/>
                     <a:lstStyle/>
                     <a:p>
-                      <a:pPr>
-                        <a:defRPr sz="700"/>
-                      </a:pPr>
                       <a:r>
                         <a:t>EMTN (Euro Medium Term Note), Titre de créance de droit français présentant un risque de perte en capital en cours de vie et à l’échéance. Bien que la formule de remboursement et le paiement des sommes dues par l’Émetteur au titre du produit soient garanties par BNP Paribas SA(1), le produit présente un risque de perte en capital à hauteur de l’intégralité de la baisse enregistrée par l'indice.</a:t>
                       </a:r>
@@ -13601,9 +13589,6 @@
                     <a:bodyPr/>
                     <a:lstStyle/>
                     <a:p>
-                      <a:pPr>
-                        <a:defRPr sz="700"/>
-                      </a:pPr>
                       <a:r>
                         <a:t>BNP Paribas Issuance B.V.(1)(véhicule d’émission dédié de droit néerlandais)</a:t>
                       </a:r>
@@ -13764,9 +13749,6 @@
                     <a:bodyPr/>
                     <a:lstStyle/>
                     <a:p>
-                      <a:pPr>
-                        <a:defRPr sz="700"/>
-                      </a:pPr>
                       <a:r>
                         <a:t>BNP Paribas SA(1)</a:t>
                       </a:r>
@@ -21037,7 +21019,7 @@
                 <a:ea typeface="+mn-ea"/>
                 <a:cs typeface="+mn-cs"/>
               </a:rPr>
-              <a:t>… avec un mécanisme de remboursement anticipé à hauteur de l’intégralité du capital initial, activable automatiquement Chaque jour de bourse, du 09/10/2023 (inclus) jusqu'à la date de constatation finale (exclue) </a:t>
+              <a:t>… avec un mécanisme de remboursement anticipé à hauteur de l’intégralité du capital initial, activable automatiquement chaque jour de bourse, du 25/09/2023 (inclus) jusqu'à la date de constatation finale (exclue) </a:t>
             </a:r>
             <a:r>
               <a:rPr kumimoji="0" lang="fr-FR" sz="800" b="0" i="0" u="none" strike="noStrike" kern="1200" cap="none" spc="0" normalizeH="0" baseline="0" noProof="0" dirty="0">
@@ -24747,7 +24729,7 @@
                   <a:schemeClr val="tx2"/>
                 </a:solidFill>
               </a:rPr>
-              <a:t>Chaque jour de bourse, du 09/10/2023 (inclus) jusqu'à la date de constatation finale (exclue), on observe le niveau de clôture de l'indice</a:t>
+              <a:t>chaque jour de bourse, du 25/09/2023 (inclus) jusqu'à la date de constatation finale (exclue), on observe le niveau de clôture de l'indice</a:t>
             </a:r>
             <a:r>
               <a:rPr lang="en-US" sz="800" dirty="0">
@@ -31191,7 +31173,7 @@
                   <a:srgbClr val="000000"/>
                 </a:solidFill>
               </a:rPr>
-              <a:t>Chaque jour de bourse, du 09/10/2023 (inclus) jusqu'à la date de constatation finale (exclue), si à l’une des dates de constatation quotidienne correspondantes</a:t>
+              <a:t>chaque jour de bourse, du 25/09/2023 (inclus) jusqu'à la date de constatation finale (exclue), si à l’une des dates de constatation quotidienne correspondantes</a:t>
             </a:r>
             <a:r>
               <a:rPr lang="fr-FR" sz="800" baseline="30000" dirty="0">
@@ -34160,7 +34142,7 @@
               <a:rPr lang="fr-FR" sz="800" b="0" dirty="0">
                 <a:latin typeface="+mn-lt"/>
               </a:rPr>
-              <a:t>À la date de constatation finale( 1 ), l'indice clôture à un niveau strictement inférieur à 95% mais supérieur ou égal à 50% de son Niveau de Référence</a:t>
+              <a:t>À la date de constatation finale(1), l'indice clôture à un niveau strictement inférieur à 95% mais supérieur ou égal à 50% de son Niveau de Référence</a:t>
             </a:r>
           </a:p>
         </p:txBody>
@@ -34543,7 +34525,7 @@
               <a:rPr lang="fr-FR" sz="800" dirty="0">
                 <a:latin typeface="+mn-lt"/>
               </a:rPr>
-              <a:t>Chaque jour de bourse, du 09/10/2023 (inclus) jusqu'à la date de constatation finale (exclue)</a:t>
+              <a:t>chaque jour de bourse, du 25/09/2023 (inclus) jusqu'à la date de constatation finale (exclue)</a:t>
             </a:r>
             <a:r>
               <a:rPr lang="fr-FR" sz="800" dirty="0"/>
@@ -34706,7 +34688,7 @@
               <a:rPr lang="fr-FR" sz="800" dirty="0">
                 <a:latin typeface="+mn-lt"/>
               </a:rPr>
-              <a:t> Chaque jour de bourse, du 09/10/2023 (inclus) jusqu'à la date de constatation finale (exclue), l'indice clôture à </a:t>
+              <a:t> chaque jour de bourse, du 25/09/2023 (inclus) jusqu'à la date de constatation finale (exclue), l'indice clôture à </a:t>
             </a:r>
             <a:r>
               <a:rPr lang="fr-FR" sz="800" dirty="0">
